--- a/Slides/Class10.pptx
+++ b/Slides/Class10.pptx
@@ -233,7 +233,7 @@
           <a:p>
             <a:fld id="{C24322AF-E05B-7249-906C-FBAC6154C037}" type="datetimeFigureOut">
               <a:rPr lang="en-US" smtClean="0"/>
-              <a:t>1/24/21</a:t>
+              <a:t>6/18/25</a:t>
             </a:fld>
             <a:endParaRPr lang="en-US"/>
           </a:p>
@@ -399,7 +399,7 @@
             <a:fld id="{06A43BE5-3BD4-F642-8751-88A31D8D6D13}" type="datetimeFigureOut">
               <a:rPr lang="en-US" smtClean="0"/>
               <a:pPr/>
-              <a:t>1/24/21</a:t>
+              <a:t>6/18/25</a:t>
             </a:fld>
             <a:endParaRPr lang="en-US"/>
           </a:p>
@@ -942,7 +942,7 @@
             <a:fld id="{A4FA2B0E-4818-9849-9CF1-1031FD4E1DAB}" type="datetimeFigureOut">
               <a:rPr lang="en-US" smtClean="0"/>
               <a:pPr/>
-              <a:t>1/24/21</a:t>
+              <a:t>6/18/25</a:t>
             </a:fld>
             <a:endParaRPr lang="en-US"/>
           </a:p>
@@ -1107,7 +1107,7 @@
             <a:fld id="{A4FA2B0E-4818-9849-9CF1-1031FD4E1DAB}" type="datetimeFigureOut">
               <a:rPr lang="en-US" smtClean="0"/>
               <a:pPr/>
-              <a:t>1/24/21</a:t>
+              <a:t>6/18/25</a:t>
             </a:fld>
             <a:endParaRPr lang="en-US"/>
           </a:p>
@@ -1282,7 +1282,7 @@
             <a:fld id="{A4FA2B0E-4818-9849-9CF1-1031FD4E1DAB}" type="datetimeFigureOut">
               <a:rPr lang="en-US" smtClean="0"/>
               <a:pPr/>
-              <a:t>1/24/21</a:t>
+              <a:t>6/18/25</a:t>
             </a:fld>
             <a:endParaRPr lang="en-US"/>
           </a:p>
@@ -1447,7 +1447,7 @@
             <a:fld id="{A4FA2B0E-4818-9849-9CF1-1031FD4E1DAB}" type="datetimeFigureOut">
               <a:rPr lang="en-US" smtClean="0"/>
               <a:pPr/>
-              <a:t>1/24/21</a:t>
+              <a:t>6/18/25</a:t>
             </a:fld>
             <a:endParaRPr lang="en-US"/>
           </a:p>
@@ -1689,7 +1689,7 @@
             <a:fld id="{A4FA2B0E-4818-9849-9CF1-1031FD4E1DAB}" type="datetimeFigureOut">
               <a:rPr lang="en-US" smtClean="0"/>
               <a:pPr/>
-              <a:t>1/24/21</a:t>
+              <a:t>6/18/25</a:t>
             </a:fld>
             <a:endParaRPr lang="en-US"/>
           </a:p>
@@ -1971,7 +1971,7 @@
             <a:fld id="{A4FA2B0E-4818-9849-9CF1-1031FD4E1DAB}" type="datetimeFigureOut">
               <a:rPr lang="en-US" smtClean="0"/>
               <a:pPr/>
-              <a:t>1/24/21</a:t>
+              <a:t>6/18/25</a:t>
             </a:fld>
             <a:endParaRPr lang="en-US"/>
           </a:p>
@@ -2387,7 +2387,7 @@
             <a:fld id="{A4FA2B0E-4818-9849-9CF1-1031FD4E1DAB}" type="datetimeFigureOut">
               <a:rPr lang="en-US" smtClean="0"/>
               <a:pPr/>
-              <a:t>1/24/21</a:t>
+              <a:t>6/18/25</a:t>
             </a:fld>
             <a:endParaRPr lang="en-US"/>
           </a:p>
@@ -2501,7 +2501,7 @@
             <a:fld id="{A4FA2B0E-4818-9849-9CF1-1031FD4E1DAB}" type="datetimeFigureOut">
               <a:rPr lang="en-US" smtClean="0"/>
               <a:pPr/>
-              <a:t>1/24/21</a:t>
+              <a:t>6/18/25</a:t>
             </a:fld>
             <a:endParaRPr lang="en-US"/>
           </a:p>
@@ -2593,7 +2593,7 @@
             <a:fld id="{A4FA2B0E-4818-9849-9CF1-1031FD4E1DAB}" type="datetimeFigureOut">
               <a:rPr lang="en-US" smtClean="0"/>
               <a:pPr/>
-              <a:t>1/24/21</a:t>
+              <a:t>6/18/25</a:t>
             </a:fld>
             <a:endParaRPr lang="en-US"/>
           </a:p>
@@ -2865,7 +2865,7 @@
             <a:fld id="{A4FA2B0E-4818-9849-9CF1-1031FD4E1DAB}" type="datetimeFigureOut">
               <a:rPr lang="en-US" smtClean="0"/>
               <a:pPr/>
-              <a:t>1/24/21</a:t>
+              <a:t>6/18/25</a:t>
             </a:fld>
             <a:endParaRPr lang="en-US"/>
           </a:p>
@@ -3114,7 +3114,7 @@
             <a:fld id="{A4FA2B0E-4818-9849-9CF1-1031FD4E1DAB}" type="datetimeFigureOut">
               <a:rPr lang="en-US" smtClean="0"/>
               <a:pPr/>
-              <a:t>1/24/21</a:t>
+              <a:t>6/18/25</a:t>
             </a:fld>
             <a:endParaRPr lang="en-US"/>
           </a:p>
@@ -3322,7 +3322,7 @@
             <a:fld id="{A4FA2B0E-4818-9849-9CF1-1031FD4E1DAB}" type="datetimeFigureOut">
               <a:rPr lang="en-US" smtClean="0"/>
               <a:pPr/>
-              <a:t>1/24/21</a:t>
+              <a:t>6/18/25</a:t>
             </a:fld>
             <a:endParaRPr lang="en-US"/>
           </a:p>
